--- a/PHG Grammar Manual.pptx
+++ b/PHG Grammar Manual.pptx
@@ -269,7 +269,7 @@
           <a:p>
             <a:fld id="{F5A39F03-C3F8-4711-8682-F778EBC31EC3}" type="datetimeFigureOut">
               <a:rPr lang="zh-CN" altLang="en-US" smtClean="0"/>
-              <a:t>2022/5/7</a:t>
+              <a:t>2022/5/20</a:t>
             </a:fld>
             <a:endParaRPr lang="zh-CN" altLang="en-US"/>
           </a:p>
@@ -467,7 +467,7 @@
           <a:p>
             <a:fld id="{F5A39F03-C3F8-4711-8682-F778EBC31EC3}" type="datetimeFigureOut">
               <a:rPr lang="zh-CN" altLang="en-US" smtClean="0"/>
-              <a:t>2022/5/7</a:t>
+              <a:t>2022/5/20</a:t>
             </a:fld>
             <a:endParaRPr lang="zh-CN" altLang="en-US"/>
           </a:p>
@@ -675,7 +675,7 @@
           <a:p>
             <a:fld id="{F5A39F03-C3F8-4711-8682-F778EBC31EC3}" type="datetimeFigureOut">
               <a:rPr lang="zh-CN" altLang="en-US" smtClean="0"/>
-              <a:t>2022/5/7</a:t>
+              <a:t>2022/5/20</a:t>
             </a:fld>
             <a:endParaRPr lang="zh-CN" altLang="en-US"/>
           </a:p>
@@ -873,7 +873,7 @@
           <a:p>
             <a:fld id="{F5A39F03-C3F8-4711-8682-F778EBC31EC3}" type="datetimeFigureOut">
               <a:rPr lang="zh-CN" altLang="en-US" smtClean="0"/>
-              <a:t>2022/5/7</a:t>
+              <a:t>2022/5/20</a:t>
             </a:fld>
             <a:endParaRPr lang="zh-CN" altLang="en-US"/>
           </a:p>
@@ -1148,7 +1148,7 @@
           <a:p>
             <a:fld id="{F5A39F03-C3F8-4711-8682-F778EBC31EC3}" type="datetimeFigureOut">
               <a:rPr lang="zh-CN" altLang="en-US" smtClean="0"/>
-              <a:t>2022/5/7</a:t>
+              <a:t>2022/5/20</a:t>
             </a:fld>
             <a:endParaRPr lang="zh-CN" altLang="en-US"/>
           </a:p>
@@ -1413,7 +1413,7 @@
           <a:p>
             <a:fld id="{F5A39F03-C3F8-4711-8682-F778EBC31EC3}" type="datetimeFigureOut">
               <a:rPr lang="zh-CN" altLang="en-US" smtClean="0"/>
-              <a:t>2022/5/7</a:t>
+              <a:t>2022/5/20</a:t>
             </a:fld>
             <a:endParaRPr lang="zh-CN" altLang="en-US"/>
           </a:p>
@@ -1825,7 +1825,7 @@
           <a:p>
             <a:fld id="{F5A39F03-C3F8-4711-8682-F778EBC31EC3}" type="datetimeFigureOut">
               <a:rPr lang="zh-CN" altLang="en-US" smtClean="0"/>
-              <a:t>2022/5/7</a:t>
+              <a:t>2022/5/20</a:t>
             </a:fld>
             <a:endParaRPr lang="zh-CN" altLang="en-US"/>
           </a:p>
@@ -1966,7 +1966,7 @@
           <a:p>
             <a:fld id="{F5A39F03-C3F8-4711-8682-F778EBC31EC3}" type="datetimeFigureOut">
               <a:rPr lang="zh-CN" altLang="en-US" smtClean="0"/>
-              <a:t>2022/5/7</a:t>
+              <a:t>2022/5/20</a:t>
             </a:fld>
             <a:endParaRPr lang="zh-CN" altLang="en-US"/>
           </a:p>
@@ -2079,7 +2079,7 @@
           <a:p>
             <a:fld id="{F5A39F03-C3F8-4711-8682-F778EBC31EC3}" type="datetimeFigureOut">
               <a:rPr lang="zh-CN" altLang="en-US" smtClean="0"/>
-              <a:t>2022/5/7</a:t>
+              <a:t>2022/5/20</a:t>
             </a:fld>
             <a:endParaRPr lang="zh-CN" altLang="en-US"/>
           </a:p>
@@ -2390,7 +2390,7 @@
           <a:p>
             <a:fld id="{F5A39F03-C3F8-4711-8682-F778EBC31EC3}" type="datetimeFigureOut">
               <a:rPr lang="zh-CN" altLang="en-US" smtClean="0"/>
-              <a:t>2022/5/7</a:t>
+              <a:t>2022/5/20</a:t>
             </a:fld>
             <a:endParaRPr lang="zh-CN" altLang="en-US"/>
           </a:p>
@@ -2678,7 +2678,7 @@
           <a:p>
             <a:fld id="{F5A39F03-C3F8-4711-8682-F778EBC31EC3}" type="datetimeFigureOut">
               <a:rPr lang="zh-CN" altLang="en-US" smtClean="0"/>
-              <a:t>2022/5/7</a:t>
+              <a:t>2022/5/20</a:t>
             </a:fld>
             <a:endParaRPr lang="zh-CN" altLang="en-US"/>
           </a:p>
@@ -2919,7 +2919,7 @@
           <a:p>
             <a:fld id="{F5A39F03-C3F8-4711-8682-F778EBC31EC3}" type="datetimeFigureOut">
               <a:rPr lang="zh-CN" altLang="en-US" smtClean="0"/>
-              <a:t>2022/5/7</a:t>
+              <a:t>2022/5/20</a:t>
             </a:fld>
             <a:endParaRPr lang="zh-CN" altLang="en-US"/>
           </a:p>
@@ -3426,7 +3426,7 @@
         </p:blipFill>
         <p:spPr>
           <a:xfrm>
-            <a:off x="4004034" y="2283478"/>
+            <a:off x="4012423" y="2770039"/>
             <a:ext cx="3932261" cy="3452159"/>
           </a:xfrm>
           <a:prstGeom prst="rect">
